--- a/2018_06_ShortCourse/05BigDataCloudPlatform/C-BigDataCloudPlatform.pptx
+++ b/2018_06_ShortCourse/05BigDataCloudPlatform/C-BigDataCloudPlatform.pptx
@@ -3581,7 +3581,7 @@
             <a:fld id="{D83FDC75-7F73-4A4A-A77C-09AADF00E0EA}" type="datetimeFigureOut">
               <a:rPr lang="en-US" smtClean="0"/>
               <a:pPr/>
-              <a:t>5/18/2018</a:t>
+              <a:t>6/13/2018</a:t>
             </a:fld>
             <a:endParaRPr lang="en-US" dirty="0"/>
           </a:p>
@@ -3748,7 +3748,7 @@
             <a:fld id="{48AEF76B-3757-4A0B-AF93-28494465C1DD}" type="datetimeFigureOut">
               <a:rPr lang="en-US" smtClean="0"/>
               <a:pPr/>
-              <a:t>5/18/2018</a:t>
+              <a:t>6/13/2018</a:t>
             </a:fld>
             <a:endParaRPr lang="en-US" dirty="0"/>
           </a:p>
@@ -4738,7 +4738,7 @@
             <a:fld id="{757B281C-5159-4971-8228-52B9A72E9ED2}" type="datetimeFigureOut">
               <a:rPr lang="en-US" smtClean="0"/>
               <a:pPr/>
-              <a:t>5/18/2018</a:t>
+              <a:t>6/13/2018</a:t>
             </a:fld>
             <a:endParaRPr lang="en-US" dirty="0"/>
           </a:p>
@@ -4833,7 +4833,7 @@
             <a:fld id="{757B281C-5159-4971-8228-52B9A72E9ED2}" type="datetimeFigureOut">
               <a:rPr lang="en-US" smtClean="0"/>
               <a:pPr/>
-              <a:t>5/18/2018</a:t>
+              <a:t>6/13/2018</a:t>
             </a:fld>
             <a:endParaRPr lang="en-US" dirty="0"/>
           </a:p>
@@ -4962,7 +4962,7 @@
             <a:fld id="{757B281C-5159-4971-8228-52B9A72E9ED2}" type="datetimeFigureOut">
               <a:rPr lang="en-US" smtClean="0"/>
               <a:pPr/>
-              <a:t>5/18/2018</a:t>
+              <a:t>6/13/2018</a:t>
             </a:fld>
             <a:endParaRPr lang="en-US" dirty="0"/>
           </a:p>
@@ -5160,7 +5160,7 @@
             <a:fld id="{757B281C-5159-4971-8228-52B9A72E9ED2}" type="datetimeFigureOut">
               <a:rPr lang="en-US" smtClean="0"/>
               <a:pPr/>
-              <a:t>5/18/2018</a:t>
+              <a:t>6/13/2018</a:t>
             </a:fld>
             <a:endParaRPr lang="en-US" dirty="0"/>
           </a:p>
@@ -5557,7 +5557,7 @@
             <a:fld id="{757B281C-5159-4971-8228-52B9A72E9ED2}" type="datetimeFigureOut">
               <a:rPr lang="en-US" smtClean="0"/>
               <a:pPr/>
-              <a:t>5/18/2018</a:t>
+              <a:t>6/13/2018</a:t>
             </a:fld>
             <a:endParaRPr lang="en-US" dirty="0"/>
           </a:p>
@@ -5847,7 +5847,7 @@
             <a:fld id="{757B281C-5159-4971-8228-52B9A72E9ED2}" type="datetimeFigureOut">
               <a:rPr lang="en-US" smtClean="0"/>
               <a:pPr/>
-              <a:t>5/18/2018</a:t>
+              <a:t>6/13/2018</a:t>
             </a:fld>
             <a:endParaRPr lang="en-US" dirty="0"/>
           </a:p>
@@ -6266,7 +6266,7 @@
             <a:fld id="{757B281C-5159-4971-8228-52B9A72E9ED2}" type="datetimeFigureOut">
               <a:rPr lang="en-US" smtClean="0"/>
               <a:pPr/>
-              <a:t>5/18/2018</a:t>
+              <a:t>6/13/2018</a:t>
             </a:fld>
             <a:endParaRPr lang="en-US" dirty="0"/>
           </a:p>
@@ -6541,7 +6541,7 @@
             <a:fld id="{757B281C-5159-4971-8228-52B9A72E9ED2}" type="datetimeFigureOut">
               <a:rPr lang="en-US" smtClean="0"/>
               <a:pPr/>
-              <a:t>5/18/2018</a:t>
+              <a:t>6/13/2018</a:t>
             </a:fld>
             <a:endParaRPr lang="en-US" dirty="0"/>
           </a:p>
@@ -6797,7 +6797,7 @@
             <a:fld id="{757B281C-5159-4971-8228-52B9A72E9ED2}" type="datetimeFigureOut">
               <a:rPr lang="en-US" smtClean="0"/>
               <a:pPr/>
-              <a:t>5/18/2018</a:t>
+              <a:t>6/13/2018</a:t>
             </a:fld>
             <a:endParaRPr lang="en-US" dirty="0"/>
           </a:p>
@@ -6965,7 +6965,7 @@
             <a:fld id="{757B281C-5159-4971-8228-52B9A72E9ED2}" type="datetimeFigureOut">
               <a:rPr lang="en-US" smtClean="0"/>
               <a:pPr/>
-              <a:t>5/18/2018</a:t>
+              <a:t>6/13/2018</a:t>
             </a:fld>
             <a:endParaRPr lang="en-US" dirty="0"/>
           </a:p>
@@ -7143,7 +7143,7 @@
             <a:fld id="{757B281C-5159-4971-8228-52B9A72E9ED2}" type="datetimeFigureOut">
               <a:rPr lang="en-US" smtClean="0"/>
               <a:pPr/>
-              <a:t>5/18/2018</a:t>
+              <a:t>6/13/2018</a:t>
             </a:fld>
             <a:endParaRPr lang="en-US" dirty="0"/>
           </a:p>
@@ -7385,7 +7385,7 @@
             <a:fld id="{757B281C-5159-4971-8228-52B9A72E9ED2}" type="datetimeFigureOut">
               <a:rPr lang="en-US" smtClean="0"/>
               <a:pPr/>
-              <a:t>5/18/2018</a:t>
+              <a:t>6/13/2018</a:t>
             </a:fld>
             <a:endParaRPr lang="en-US" dirty="0"/>
           </a:p>
@@ -11267,7 +11267,7 @@
             <a:r>
               <a:rPr lang="en-US" sz="2400" dirty="0">
                 <a:solidFill>
-                  <a:schemeClr val="accent1"/>
+                  <a:srgbClr val="FF0000"/>
                 </a:solidFill>
               </a:rPr>
               <a:t>BIGGEST</a:t>
@@ -11315,7 +11315,7 @@
             <a:r>
               <a:rPr lang="en-US" sz="2400" dirty="0">
                 <a:solidFill>
-                  <a:schemeClr val="accent1"/>
+                  <a:srgbClr val="FF0000"/>
                 </a:solidFill>
               </a:rPr>
               <a:t>Spark</a:t>
@@ -14417,7 +14417,7 @@
                 <a:buNone/>
               </a:pPr>
               <a:r>
-                <a:rPr lang="en-US" altLang="en-US" sz="1900" kern="1200" dirty="0">
+                <a:rPr lang="en-US" altLang="en-US" sz="1900" kern="1200" dirty="0" smtClean="0">
                   <a:solidFill>
                     <a:srgbClr val="FF0000"/>
                   </a:solidFill>
@@ -14425,7 +14425,7 @@
                   <a:ea typeface="+mn-ea"/>
                   <a:cs typeface="+mn-cs"/>
                 </a:rPr>
-                <a:t>2017</a:t>
+                <a:t>2018</a:t>
               </a:r>
               <a:endParaRPr lang="en-US" sz="1900" kern="1200" dirty="0">
                 <a:solidFill>
@@ -17141,11 +17141,7 @@
             </a:r>
             <a:r>
               <a:rPr lang="en-US" sz="2000" dirty="0"/>
-              <a:t>be imported </a:t>
-            </a:r>
-            <a:r>
-              <a:rPr lang="en-US" sz="2000" dirty="0"/>
-              <a:t>from</a:t>
+              <a:t>be imported from</a:t>
             </a:r>
             <a:r>
               <a:rPr lang="en-US" sz="2000" dirty="0" smtClean="0"/>
